--- a/test/pptx/speaker-notes-afterseps/moved-layouts.pptx
+++ b/test/pptx/speaker-notes-afterseps/moved-layouts.pptx
@@ -5,7 +5,7 @@
     <p:sldMasterId id="2147483648" r:id="rId1"/>
   </p:sldMasterIdLst>
   <p:notesMasterIdLst>
-    <p:NotesMasterId r:id="rId5"/>
+    <p:notesMasterId r:id="rId5"/>
   </p:notesMasterIdLst>
   <p:sldIdLst>
     <p:sldId id="256" r:id="rId2"/>

--- a/test/pptx/speaker-notes-afterseps/moved-layouts.pptx
+++ b/test/pptx/speaker-notes-afterseps/moved-layouts.pptx
@@ -516,23 +516,7 @@
             </a:pPr>
             <a:r>
               <a:rPr/>
-              <a:t>chicken</a:t>
-            </a:r>
-            <a:r>
-              <a:rPr/>
-              <a:t> </a:t>
-            </a:r>
-            <a:r>
-              <a:rPr/>
-              <a:t>and</a:t>
-            </a:r>
-            <a:r>
-              <a:rPr/>
-              <a:t> </a:t>
-            </a:r>
-            <a:r>
-              <a:rPr/>
-              <a:t>dumplings</a:t>
+              <a:t>chicken and dumplings</a:t>
             </a:r>
           </a:p>
         </p:txBody>
@@ -614,15 +598,7 @@
             </a:pPr>
             <a:r>
               <a:rPr/>
-              <a:t>foo</a:t>
-            </a:r>
-            <a:r>
-              <a:rPr/>
-              <a:t> </a:t>
-            </a:r>
-            <a:r>
-              <a:rPr/>
-              <a:t>bar</a:t>
+              <a:t>foo bar</a:t>
             </a:r>
           </a:p>
         </p:txBody>
@@ -704,85 +680,21 @@
             </a:pPr>
             <a:r>
               <a:rPr/>
-              <a:t>Some</a:t>
-            </a:r>
+              <a:t>Some notes inside a column</a:t>
+            </a:r>
+          </a:p>
+          <a:p>
+            <a:pPr lvl="0" marL="0" indent="0">
+              <a:buNone/>
+            </a:pPr>
+          </a:p>
+          <a:p>
+            <a:pPr lvl="0" marL="0" indent="0">
+              <a:buNone/>
+            </a:pPr>
             <a:r>
               <a:rPr/>
-              <a:t> </a:t>
-            </a:r>
-            <a:r>
-              <a:rPr/>
-              <a:t>notes</a:t>
-            </a:r>
-            <a:r>
-              <a:rPr/>
-              <a:t> </a:t>
-            </a:r>
-            <a:r>
-              <a:rPr/>
-              <a:t>inside</a:t>
-            </a:r>
-            <a:r>
-              <a:rPr/>
-              <a:t> </a:t>
-            </a:r>
-            <a:r>
-              <a:rPr/>
-              <a:t>a</a:t>
-            </a:r>
-            <a:r>
-              <a:rPr/>
-              <a:t> </a:t>
-            </a:r>
-            <a:r>
-              <a:rPr/>
-              <a:t>column</a:t>
-            </a:r>
-          </a:p>
-          <a:p>
-            <a:pPr lvl="0" marL="0" indent="0">
-              <a:buNone/>
-            </a:pPr>
-          </a:p>
-          <a:p>
-            <a:pPr lvl="0" marL="0" indent="0">
-              <a:buNone/>
-            </a:pPr>
-            <a:r>
-              <a:rPr/>
-              <a:t>Some</a:t>
-            </a:r>
-            <a:r>
-              <a:rPr/>
-              <a:t> </a:t>
-            </a:r>
-            <a:r>
-              <a:rPr/>
-              <a:t>notes</a:t>
-            </a:r>
-            <a:r>
-              <a:rPr/>
-              <a:t> </a:t>
-            </a:r>
-            <a:r>
-              <a:rPr/>
-              <a:t>outside</a:t>
-            </a:r>
-            <a:r>
-              <a:rPr/>
-              <a:t> </a:t>
-            </a:r>
-            <a:r>
-              <a:rPr/>
-              <a:t>the</a:t>
-            </a:r>
-            <a:r>
-              <a:rPr/>
-              <a:t> </a:t>
-            </a:r>
-            <a:r>
-              <a:rPr/>
-              <a:t>column</a:t>
+              <a:t>Some notes outside the column</a:t>
             </a:r>
           </a:p>
         </p:txBody>
@@ -6487,15 +6399,7 @@
             </a:pPr>
             <a:r>
               <a:rPr/>
-              <a:t>The</a:t>
-            </a:r>
-            <a:r>
-              <a:rPr/>
-              <a:t> </a:t>
-            </a:r>
-            <a:r>
-              <a:rPr/>
-              <a:t>moon</a:t>
+              <a:t>The moon</a:t>
             </a:r>
           </a:p>
         </p:txBody>
@@ -6829,55 +6733,7 @@
             </a:pPr>
             <a:r>
               <a:rPr/>
-              <a:t>Demonstration</a:t>
-            </a:r>
-            <a:r>
-              <a:rPr/>
-              <a:t> </a:t>
-            </a:r>
-            <a:r>
-              <a:rPr/>
-              <a:t>of</a:t>
-            </a:r>
-            <a:r>
-              <a:rPr/>
-              <a:t> </a:t>
-            </a:r>
-            <a:r>
-              <a:rPr/>
-              <a:t>simple</a:t>
-            </a:r>
-            <a:r>
-              <a:rPr/>
-              <a:t> </a:t>
-            </a:r>
-            <a:r>
-              <a:rPr/>
-              <a:t>table</a:t>
-            </a:r>
-            <a:r>
-              <a:rPr/>
-              <a:t> </a:t>
-            </a:r>
-            <a:r>
-              <a:rPr/>
-              <a:t>syntax,</a:t>
-            </a:r>
-            <a:r>
-              <a:rPr/>
-              <a:t> </a:t>
-            </a:r>
-            <a:r>
-              <a:rPr/>
-              <a:t>with</a:t>
-            </a:r>
-            <a:r>
-              <a:rPr/>
-              <a:t> </a:t>
-            </a:r>
-            <a:r>
-              <a:rPr/>
-              <a:t>alignment</a:t>
+              <a:t>Demonstration of simple table syntax, with alignment</a:t>
             </a:r>
           </a:p>
         </p:txBody>

--- a/test/pptx/speaker-notes-afterseps/moved-layouts.pptx
+++ b/test/pptx/speaker-notes-afterseps/moved-layouts.pptx
@@ -516,19 +516,11 @@
             </a:pPr>
             <a:r>
               <a:rPr/>
-              <a:t>chicken</a:t>
+              <a:t>chicken </a:t>
             </a:r>
             <a:r>
               <a:rPr/>
-              <a:t> </a:t>
-            </a:r>
-            <a:r>
-              <a:rPr/>
-              <a:t>and</a:t>
-            </a:r>
-            <a:r>
-              <a:rPr/>
-              <a:t> </a:t>
+              <a:t>and </a:t>
             </a:r>
             <a:r>
               <a:rPr/>
@@ -614,11 +606,7 @@
             </a:pPr>
             <a:r>
               <a:rPr/>
-              <a:t>foo</a:t>
-            </a:r>
-            <a:r>
-              <a:rPr/>
-              <a:t> </a:t>
+              <a:t>foo </a:t>
             </a:r>
             <a:r>
               <a:rPr/>
@@ -704,35 +692,19 @@
             </a:pPr>
             <a:r>
               <a:rPr/>
-              <a:t>Some</a:t>
+              <a:t>Some </a:t>
             </a:r>
             <a:r>
               <a:rPr/>
-              <a:t> </a:t>
+              <a:t>notes </a:t>
             </a:r>
             <a:r>
               <a:rPr/>
-              <a:t>notes</a:t>
+              <a:t>inside </a:t>
             </a:r>
             <a:r>
               <a:rPr/>
-              <a:t> </a:t>
-            </a:r>
-            <a:r>
-              <a:rPr/>
-              <a:t>inside</a:t>
-            </a:r>
-            <a:r>
-              <a:rPr/>
-              <a:t> </a:t>
-            </a:r>
-            <a:r>
-              <a:rPr/>
-              <a:t>a</a:t>
-            </a:r>
-            <a:r>
-              <a:rPr/>
-              <a:t> </a:t>
+              <a:t>a </a:t>
             </a:r>
             <a:r>
               <a:rPr/>
@@ -750,35 +722,19 @@
             </a:pPr>
             <a:r>
               <a:rPr/>
-              <a:t>Some</a:t>
+              <a:t>Some </a:t>
             </a:r>
             <a:r>
               <a:rPr/>
-              <a:t> </a:t>
+              <a:t>notes </a:t>
             </a:r>
             <a:r>
               <a:rPr/>
-              <a:t>notes</a:t>
+              <a:t>outside </a:t>
             </a:r>
             <a:r>
               <a:rPr/>
-              <a:t> </a:t>
-            </a:r>
-            <a:r>
-              <a:rPr/>
-              <a:t>outside</a:t>
-            </a:r>
-            <a:r>
-              <a:rPr/>
-              <a:t> </a:t>
-            </a:r>
-            <a:r>
-              <a:rPr/>
-              <a:t>the</a:t>
-            </a:r>
-            <a:r>
-              <a:rPr/>
-              <a:t> </a:t>
+              <a:t>the </a:t>
             </a:r>
             <a:r>
               <a:rPr/>
@@ -6487,11 +6443,7 @@
             </a:pPr>
             <a:r>
               <a:rPr/>
-              <a:t>The</a:t>
-            </a:r>
-            <a:r>
-              <a:rPr/>
-              <a:t> </a:t>
+              <a:t>The </a:t>
             </a:r>
             <a:r>
               <a:rPr/>
@@ -6829,51 +6781,27 @@
             </a:pPr>
             <a:r>
               <a:rPr/>
-              <a:t>Demonstration</a:t>
+              <a:t>Demonstration </a:t>
             </a:r>
             <a:r>
               <a:rPr/>
-              <a:t> </a:t>
+              <a:t>of </a:t>
             </a:r>
             <a:r>
               <a:rPr/>
-              <a:t>of</a:t>
+              <a:t>simple </a:t>
             </a:r>
             <a:r>
               <a:rPr/>
-              <a:t> </a:t>
+              <a:t>table </a:t>
             </a:r>
             <a:r>
               <a:rPr/>
-              <a:t>simple</a:t>
+              <a:t>syntax, </a:t>
             </a:r>
             <a:r>
               <a:rPr/>
-              <a:t> </a:t>
-            </a:r>
-            <a:r>
-              <a:rPr/>
-              <a:t>table</a:t>
-            </a:r>
-            <a:r>
-              <a:rPr/>
-              <a:t> </a:t>
-            </a:r>
-            <a:r>
-              <a:rPr/>
-              <a:t>syntax,</a:t>
-            </a:r>
-            <a:r>
-              <a:rPr/>
-              <a:t> </a:t>
-            </a:r>
-            <a:r>
-              <a:rPr/>
-              <a:t>with</a:t>
-            </a:r>
-            <a:r>
-              <a:rPr/>
-              <a:t> </a:t>
+              <a:t>with </a:t>
             </a:r>
             <a:r>
               <a:rPr/>

--- a/test/pptx/speaker-notes-afterseps/moved-layouts.pptx
+++ b/test/pptx/speaker-notes-afterseps/moved-layouts.pptx
@@ -516,11 +516,19 @@
             </a:pPr>
             <a:r>
               <a:rPr/>
-              <a:t>chicken </a:t>
+              <a:t>chicken</a:t>
             </a:r>
             <a:r>
               <a:rPr/>
-              <a:t>and </a:t>
+              <a:t> </a:t>
+            </a:r>
+            <a:r>
+              <a:rPr/>
+              <a:t>and</a:t>
+            </a:r>
+            <a:r>
+              <a:rPr/>
+              <a:t> </a:t>
             </a:r>
             <a:r>
               <a:rPr/>
@@ -606,7 +614,11 @@
             </a:pPr>
             <a:r>
               <a:rPr/>
-              <a:t>foo </a:t>
+              <a:t>foo</a:t>
+            </a:r>
+            <a:r>
+              <a:rPr/>
+              <a:t> </a:t>
             </a:r>
             <a:r>
               <a:rPr/>
@@ -692,19 +704,35 @@
             </a:pPr>
             <a:r>
               <a:rPr/>
-              <a:t>Some </a:t>
+              <a:t>Some</a:t>
             </a:r>
             <a:r>
               <a:rPr/>
-              <a:t>notes </a:t>
+              <a:t> </a:t>
             </a:r>
             <a:r>
               <a:rPr/>
-              <a:t>inside </a:t>
+              <a:t>notes</a:t>
             </a:r>
             <a:r>
               <a:rPr/>
-              <a:t>a </a:t>
+              <a:t> </a:t>
+            </a:r>
+            <a:r>
+              <a:rPr/>
+              <a:t>inside</a:t>
+            </a:r>
+            <a:r>
+              <a:rPr/>
+              <a:t> </a:t>
+            </a:r>
+            <a:r>
+              <a:rPr/>
+              <a:t>a</a:t>
+            </a:r>
+            <a:r>
+              <a:rPr/>
+              <a:t> </a:t>
             </a:r>
             <a:r>
               <a:rPr/>
@@ -722,19 +750,35 @@
             </a:pPr>
             <a:r>
               <a:rPr/>
-              <a:t>Some </a:t>
+              <a:t>Some</a:t>
             </a:r>
             <a:r>
               <a:rPr/>
-              <a:t>notes </a:t>
+              <a:t> </a:t>
             </a:r>
             <a:r>
               <a:rPr/>
-              <a:t>outside </a:t>
+              <a:t>notes</a:t>
             </a:r>
             <a:r>
               <a:rPr/>
-              <a:t>the </a:t>
+              <a:t> </a:t>
+            </a:r>
+            <a:r>
+              <a:rPr/>
+              <a:t>outside</a:t>
+            </a:r>
+            <a:r>
+              <a:rPr/>
+              <a:t> </a:t>
+            </a:r>
+            <a:r>
+              <a:rPr/>
+              <a:t>the</a:t>
+            </a:r>
+            <a:r>
+              <a:rPr/>
+              <a:t> </a:t>
             </a:r>
             <a:r>
               <a:rPr/>
@@ -6443,7 +6487,11 @@
             </a:pPr>
             <a:r>
               <a:rPr/>
-              <a:t>The </a:t>
+              <a:t>The</a:t>
+            </a:r>
+            <a:r>
+              <a:rPr/>
+              <a:t> </a:t>
             </a:r>
             <a:r>
               <a:rPr/>
@@ -6781,27 +6829,51 @@
             </a:pPr>
             <a:r>
               <a:rPr/>
-              <a:t>Demonstration </a:t>
+              <a:t>Demonstration</a:t>
             </a:r>
             <a:r>
               <a:rPr/>
-              <a:t>of </a:t>
+              <a:t> </a:t>
             </a:r>
             <a:r>
               <a:rPr/>
-              <a:t>simple </a:t>
+              <a:t>of</a:t>
             </a:r>
             <a:r>
               <a:rPr/>
-              <a:t>table </a:t>
+              <a:t> </a:t>
             </a:r>
             <a:r>
               <a:rPr/>
-              <a:t>syntax, </a:t>
+              <a:t>simple</a:t>
             </a:r>
             <a:r>
               <a:rPr/>
-              <a:t>with </a:t>
+              <a:t> </a:t>
+            </a:r>
+            <a:r>
+              <a:rPr/>
+              <a:t>table</a:t>
+            </a:r>
+            <a:r>
+              <a:rPr/>
+              <a:t> </a:t>
+            </a:r>
+            <a:r>
+              <a:rPr/>
+              <a:t>syntax,</a:t>
+            </a:r>
+            <a:r>
+              <a:rPr/>
+              <a:t> </a:t>
+            </a:r>
+            <a:r>
+              <a:rPr/>
+              <a:t>with</a:t>
+            </a:r>
+            <a:r>
+              <a:rPr/>
+              <a:t> </a:t>
             </a:r>
             <a:r>
               <a:rPr/>
